--- a/Supporting Documents/Game Pitch.pptx
+++ b/Supporting Documents/Game Pitch.pptx
@@ -108,6 +108,11 @@
       </a:defRPr>
     </a:lvl9pPr>
   </p:defaultTextStyle>
+  <p:extLst>
+    <p:ext uri="{EFAFB233-063F-42B5-8137-9DF3F51BA10A}">
+      <p15:sldGuideLst xmlns:p15="http://schemas.microsoft.com/office/powerpoint/2012/main"/>
+    </p:ext>
+  </p:extLst>
 </p:presentation>
 </file>
 
@@ -6110,7 +6115,7 @@
           <a:p>
             <a:r>
               <a:rPr lang="en-US" dirty="0"/>
-              <a:t>GAME NAME</a:t>
+              <a:t>GAME PITCH</a:t>
             </a:r>
             <a:endParaRPr lang="en-ZA" dirty="0"/>
           </a:p>
@@ -6164,8 +6169,13 @@
           <a:p>
             <a:r>
               <a:rPr lang="en-ZA" dirty="0"/>
-              <a:t>Ashley XX</a:t>
-            </a:r>
+              <a:t>Ash </a:t>
+            </a:r>
+            <a:r>
+              <a:rPr lang="en-ZA" dirty="0" err="1"/>
+              <a:t>Jurisich</a:t>
+            </a:r>
+            <a:endParaRPr lang="en-ZA" dirty="0"/>
           </a:p>
         </p:txBody>
       </p:sp>
@@ -6251,7 +6261,7 @@
         </p:nvSpPr>
         <p:spPr>
           <a:xfrm>
-            <a:off x="4344956" y="2155271"/>
+            <a:off x="4537902" y="2172049"/>
             <a:ext cx="4689987" cy="3124201"/>
           </a:xfrm>
         </p:spPr>
@@ -6395,62 +6405,47 @@
           <a:p>
             <a:r>
               <a:rPr lang="en-US" dirty="0"/>
-              <a:t>REPEAT</a:t>
+              <a:t>REPEAT!</a:t>
             </a:r>
             <a:endParaRPr lang="en-ZA" dirty="0"/>
           </a:p>
         </p:txBody>
       </p:sp>
-      <p:sp>
-        <p:nvSpPr>
-          <p:cNvPr id="11" name="Rectangle 10">
+      <p:pic>
+        <p:nvPicPr>
+          <p:cNvPr id="4" name="Picture 3" descr="A picture containing linedrawing&#10;&#10;Description automatically generated">
             <a:extLst>
               <a:ext uri="{FF2B5EF4-FFF2-40B4-BE49-F238E27FC236}">
-                <a16:creationId xmlns:a16="http://schemas.microsoft.com/office/drawing/2014/main" id="{B3E9E69E-C5C1-0D1D-2D5D-3F99AD33FF48}"/>
+                <a16:creationId xmlns:a16="http://schemas.microsoft.com/office/drawing/2014/main" id="{DE7D46FB-2AC5-77F8-FC8C-9E3CA48C6203}"/>
               </a:ext>
             </a:extLst>
           </p:cNvPr>
-          <p:cNvSpPr/>
+          <p:cNvPicPr>
+            <a:picLocks noChangeAspect="1"/>
+          </p:cNvPicPr>
           <p:nvPr/>
-        </p:nvSpPr>
+        </p:nvPicPr>
+        <p:blipFill>
+          <a:blip r:embed="rId2"/>
+          <a:stretch>
+            <a:fillRect/>
+          </a:stretch>
+        </p:blipFill>
         <p:spPr>
           <a:xfrm>
-            <a:off x="7105476" y="2718033"/>
-            <a:ext cx="3590488" cy="2457974"/>
+            <a:off x="7258828" y="2191138"/>
+            <a:ext cx="3018895" cy="3018895"/>
           </a:xfrm>
           <a:prstGeom prst="rect">
             <a:avLst/>
           </a:prstGeom>
+          <a:ln>
+            <a:solidFill>
+              <a:schemeClr val="tx1"/>
+            </a:solidFill>
+          </a:ln>
         </p:spPr>
-        <p:style>
-          <a:lnRef idx="2">
-            <a:schemeClr val="accent1">
-              <a:shade val="50000"/>
-            </a:schemeClr>
-          </a:lnRef>
-          <a:fillRef idx="1">
-            <a:schemeClr val="accent1"/>
-          </a:fillRef>
-          <a:effectRef idx="0">
-            <a:schemeClr val="accent1"/>
-          </a:effectRef>
-          <a:fontRef idx="minor">
-            <a:schemeClr val="lt1"/>
-          </a:fontRef>
-        </p:style>
-        <p:txBody>
-          <a:bodyPr rtlCol="0" anchor="ctr"/>
-          <a:lstStyle/>
-          <a:p>
-            <a:pPr algn="ctr"/>
-            <a:r>
-              <a:rPr lang="en-US" dirty="0"/>
-              <a:t>ANIMATION</a:t>
-            </a:r>
-            <a:endParaRPr lang="en-ZA" dirty="0"/>
-          </a:p>
-        </p:txBody>
-      </p:sp>
+      </p:pic>
     </p:spTree>
     <p:extLst>
       <p:ext uri="{BB962C8B-B14F-4D97-AF65-F5344CB8AC3E}">
@@ -6509,7 +6504,7 @@
           <a:p>
             <a:r>
               <a:rPr lang="en-US" dirty="0"/>
-              <a:t>Think X--‘Hades’-- Meets ‘Y’</a:t>
+              <a:t>Think ‘Hades’ Meets ‘Monster Hunter’</a:t>
             </a:r>
             <a:endParaRPr lang="en-ZA" dirty="0"/>
           </a:p>
@@ -6567,106 +6562,66 @@
           </a:p>
         </p:txBody>
       </p:sp>
-      <p:sp>
-        <p:nvSpPr>
-          <p:cNvPr id="4" name="Rectangle 3">
+      <p:pic>
+        <p:nvPicPr>
+          <p:cNvPr id="7" name="Picture 6" descr="A screenshot of a video game&#10;&#10;Description automatically generated">
             <a:extLst>
               <a:ext uri="{FF2B5EF4-FFF2-40B4-BE49-F238E27FC236}">
-                <a16:creationId xmlns:a16="http://schemas.microsoft.com/office/drawing/2014/main" id="{9453DB12-5541-CCCD-CB9F-66FB7993A859}"/>
+                <a16:creationId xmlns:a16="http://schemas.microsoft.com/office/drawing/2014/main" id="{7CAE6BD3-7857-B758-CC4C-EA5A930C612B}"/>
               </a:ext>
             </a:extLst>
           </p:cNvPr>
-          <p:cNvSpPr/>
+          <p:cNvPicPr>
+            <a:picLocks noChangeAspect="1"/>
+          </p:cNvPicPr>
           <p:nvPr/>
-        </p:nvSpPr>
+        </p:nvPicPr>
+        <p:blipFill>
+          <a:blip r:embed="rId2"/>
+          <a:stretch>
+            <a:fillRect/>
+          </a:stretch>
+        </p:blipFill>
         <p:spPr>
           <a:xfrm>
-            <a:off x="2388066" y="1693876"/>
-            <a:ext cx="3850547" cy="2137796"/>
+            <a:off x="2289604" y="3958554"/>
+            <a:ext cx="3990954" cy="2244912"/>
           </a:xfrm>
           <a:prstGeom prst="rect">
             <a:avLst/>
           </a:prstGeom>
         </p:spPr>
-        <p:style>
-          <a:lnRef idx="2">
-            <a:schemeClr val="accent1">
-              <a:shade val="50000"/>
-            </a:schemeClr>
-          </a:lnRef>
-          <a:fillRef idx="1">
-            <a:schemeClr val="accent1"/>
-          </a:fillRef>
-          <a:effectRef idx="0">
-            <a:schemeClr val="accent1"/>
-          </a:effectRef>
-          <a:fontRef idx="minor">
-            <a:schemeClr val="lt1"/>
-          </a:fontRef>
-        </p:style>
-        <p:txBody>
-          <a:bodyPr rtlCol="0" anchor="ctr"/>
-          <a:lstStyle/>
-          <a:p>
-            <a:pPr algn="ctr"/>
-            <a:r>
-              <a:rPr lang="en-US" dirty="0"/>
-              <a:t>X--HADES--</a:t>
-            </a:r>
-            <a:endParaRPr lang="en-ZA" dirty="0"/>
-          </a:p>
-        </p:txBody>
-      </p:sp>
-      <p:sp>
-        <p:nvSpPr>
-          <p:cNvPr id="5" name="Rectangle 4">
+      </p:pic>
+      <p:pic>
+        <p:nvPicPr>
+          <p:cNvPr id="9" name="Picture 8" descr="A picture containing indoor, laser&#10;&#10;Description automatically generated">
             <a:extLst>
               <a:ext uri="{FF2B5EF4-FFF2-40B4-BE49-F238E27FC236}">
-                <a16:creationId xmlns:a16="http://schemas.microsoft.com/office/drawing/2014/main" id="{9CEAE839-A97B-9AFF-313E-94EF5FFE7C77}"/>
+                <a16:creationId xmlns:a16="http://schemas.microsoft.com/office/drawing/2014/main" id="{8808796F-D19C-F139-E613-D5024537D52E}"/>
               </a:ext>
             </a:extLst>
           </p:cNvPr>
-          <p:cNvSpPr/>
+          <p:cNvPicPr>
+            <a:picLocks noChangeAspect="1"/>
+          </p:cNvPicPr>
           <p:nvPr/>
-        </p:nvSpPr>
+        </p:nvPicPr>
+        <p:blipFill>
+          <a:blip r:embed="rId3"/>
+          <a:stretch>
+            <a:fillRect/>
+          </a:stretch>
+        </p:blipFill>
         <p:spPr>
           <a:xfrm>
-            <a:off x="2388066" y="4095226"/>
-            <a:ext cx="3850547" cy="2137796"/>
+            <a:off x="2282635" y="1491881"/>
+            <a:ext cx="3992110" cy="2244912"/>
           </a:xfrm>
           <a:prstGeom prst="rect">
             <a:avLst/>
           </a:prstGeom>
         </p:spPr>
-        <p:style>
-          <a:lnRef idx="2">
-            <a:schemeClr val="accent1">
-              <a:shade val="50000"/>
-            </a:schemeClr>
-          </a:lnRef>
-          <a:fillRef idx="1">
-            <a:schemeClr val="accent1"/>
-          </a:fillRef>
-          <a:effectRef idx="0">
-            <a:schemeClr val="accent1"/>
-          </a:effectRef>
-          <a:fontRef idx="minor">
-            <a:schemeClr val="lt1"/>
-          </a:fontRef>
-        </p:style>
-        <p:txBody>
-          <a:bodyPr rtlCol="0" anchor="ctr"/>
-          <a:lstStyle/>
-          <a:p>
-            <a:pPr algn="ctr"/>
-            <a:r>
-              <a:rPr lang="en-US" dirty="0"/>
-              <a:t>Y</a:t>
-            </a:r>
-            <a:endParaRPr lang="en-ZA" dirty="0"/>
-          </a:p>
-        </p:txBody>
-      </p:sp>
+      </p:pic>
     </p:spTree>
     <p:extLst>
       <p:ext uri="{BB962C8B-B14F-4D97-AF65-F5344CB8AC3E}">
@@ -6731,56 +6686,36 @@
           </a:p>
         </p:txBody>
       </p:sp>
-      <p:sp>
-        <p:nvSpPr>
-          <p:cNvPr id="5" name="Rectangle 4">
+      <p:pic>
+        <p:nvPicPr>
+          <p:cNvPr id="3" name="Picture 2">
             <a:extLst>
               <a:ext uri="{FF2B5EF4-FFF2-40B4-BE49-F238E27FC236}">
-                <a16:creationId xmlns:a16="http://schemas.microsoft.com/office/drawing/2014/main" id="{9CEAE839-A97B-9AFF-313E-94EF5FFE7C77}"/>
+                <a16:creationId xmlns:a16="http://schemas.microsoft.com/office/drawing/2014/main" id="{463AB466-A14B-9605-F642-E9265CC0C046}"/>
               </a:ext>
             </a:extLst>
           </p:cNvPr>
-          <p:cNvSpPr/>
+          <p:cNvPicPr>
+            <a:picLocks noChangeAspect="1"/>
+          </p:cNvPicPr>
           <p:nvPr/>
-        </p:nvSpPr>
+        </p:nvPicPr>
+        <p:blipFill>
+          <a:blip r:embed="rId2"/>
+          <a:stretch>
+            <a:fillRect/>
+          </a:stretch>
+        </p:blipFill>
         <p:spPr>
           <a:xfrm>
-            <a:off x="3000462" y="1795244"/>
-            <a:ext cx="7057938" cy="3404532"/>
+            <a:off x="3598016" y="2007590"/>
+            <a:ext cx="5856449" cy="3294252"/>
           </a:xfrm>
           <a:prstGeom prst="rect">
             <a:avLst/>
           </a:prstGeom>
         </p:spPr>
-        <p:style>
-          <a:lnRef idx="2">
-            <a:schemeClr val="accent1">
-              <a:shade val="50000"/>
-            </a:schemeClr>
-          </a:lnRef>
-          <a:fillRef idx="1">
-            <a:schemeClr val="accent1"/>
-          </a:fillRef>
-          <a:effectRef idx="0">
-            <a:schemeClr val="accent1"/>
-          </a:effectRef>
-          <a:fontRef idx="minor">
-            <a:schemeClr val="lt1"/>
-          </a:fontRef>
-        </p:style>
-        <p:txBody>
-          <a:bodyPr rtlCol="0" anchor="ctr"/>
-          <a:lstStyle/>
-          <a:p>
-            <a:pPr algn="ctr"/>
-            <a:r>
-              <a:rPr lang="en-US" dirty="0"/>
-              <a:t>VR HEADSET</a:t>
-            </a:r>
-            <a:endParaRPr lang="en-ZA" dirty="0"/>
-          </a:p>
-        </p:txBody>
-      </p:sp>
+      </p:pic>
     </p:spTree>
     <p:extLst>
       <p:ext uri="{BB962C8B-B14F-4D97-AF65-F5344CB8AC3E}">

--- a/Supporting Documents/Game Pitch.pptx
+++ b/Supporting Documents/Game Pitch.pptx
@@ -10,6 +10,7 @@
     <p:sldId id="258" r:id="rId4"/>
     <p:sldId id="259" r:id="rId5"/>
     <p:sldId id="260" r:id="rId6"/>
+    <p:sldId id="261" r:id="rId7"/>
   </p:sldIdLst>
   <p:sldSz cx="12192000" cy="6858000"/>
   <p:notesSz cx="6858000" cy="9144000"/>
@@ -619,7 +620,7 @@
             <a:fld id="{B61BEF0D-F0BB-DE4B-95CE-6DB70DBA9567}" type="datetimeFigureOut">
               <a:rPr lang="en-US" dirty="0"/>
               <a:pPr/>
-              <a:t>9/6/2022</a:t>
+              <a:t>9/7/2022</a:t>
             </a:fld>
             <a:endParaRPr lang="en-US" dirty="0"/>
           </a:p>
@@ -912,7 +913,7 @@
             <a:fld id="{B61BEF0D-F0BB-DE4B-95CE-6DB70DBA9567}" type="datetimeFigureOut">
               <a:rPr lang="en-US" dirty="0"/>
               <a:pPr/>
-              <a:t>9/6/2022</a:t>
+              <a:t>9/7/2022</a:t>
             </a:fld>
             <a:endParaRPr lang="en-US" dirty="0"/>
           </a:p>
@@ -1157,7 +1158,7 @@
             <a:fld id="{B61BEF0D-F0BB-DE4B-95CE-6DB70DBA9567}" type="datetimeFigureOut">
               <a:rPr lang="en-US" dirty="0"/>
               <a:pPr/>
-              <a:t>9/6/2022</a:t>
+              <a:t>9/7/2022</a:t>
             </a:fld>
             <a:endParaRPr lang="en-US" dirty="0"/>
           </a:p>
@@ -1694,7 +1695,7 @@
             <a:fld id="{B61BEF0D-F0BB-DE4B-95CE-6DB70DBA9567}" type="datetimeFigureOut">
               <a:rPr lang="en-US" dirty="0"/>
               <a:pPr/>
-              <a:t>9/6/2022</a:t>
+              <a:t>9/7/2022</a:t>
             </a:fld>
             <a:endParaRPr lang="en-US" dirty="0"/>
           </a:p>
@@ -1939,7 +1940,7 @@
             <a:fld id="{B61BEF0D-F0BB-DE4B-95CE-6DB70DBA9567}" type="datetimeFigureOut">
               <a:rPr lang="en-US" dirty="0"/>
               <a:pPr/>
-              <a:t>9/6/2022</a:t>
+              <a:t>9/7/2022</a:t>
             </a:fld>
             <a:endParaRPr lang="en-US" dirty="0"/>
           </a:p>
@@ -2468,7 +2469,7 @@
             <a:fld id="{B61BEF0D-F0BB-DE4B-95CE-6DB70DBA9567}" type="datetimeFigureOut">
               <a:rPr lang="en-US" dirty="0"/>
               <a:pPr/>
-              <a:t>9/6/2022</a:t>
+              <a:t>9/7/2022</a:t>
             </a:fld>
             <a:endParaRPr lang="en-US" dirty="0"/>
           </a:p>
@@ -2762,7 +2763,7 @@
             <a:fld id="{B61BEF0D-F0BB-DE4B-95CE-6DB70DBA9567}" type="datetimeFigureOut">
               <a:rPr lang="en-US" dirty="0"/>
               <a:pPr/>
-              <a:t>9/6/2022</a:t>
+              <a:t>9/7/2022</a:t>
             </a:fld>
             <a:endParaRPr lang="en-US" dirty="0"/>
           </a:p>
@@ -2933,7 +2934,7 @@
             <a:fld id="{B61BEF0D-F0BB-DE4B-95CE-6DB70DBA9567}" type="datetimeFigureOut">
               <a:rPr lang="en-US" dirty="0"/>
               <a:pPr/>
-              <a:t>9/6/2022</a:t>
+              <a:t>9/7/2022</a:t>
             </a:fld>
             <a:endParaRPr lang="en-US" dirty="0"/>
           </a:p>
@@ -3110,7 +3111,7 @@
             <a:fld id="{B61BEF0D-F0BB-DE4B-95CE-6DB70DBA9567}" type="datetimeFigureOut">
               <a:rPr lang="en-US" dirty="0"/>
               <a:pPr/>
-              <a:t>9/6/2022</a:t>
+              <a:t>9/7/2022</a:t>
             </a:fld>
             <a:endParaRPr lang="en-US" dirty="0"/>
           </a:p>
@@ -3277,7 +3278,7 @@
             <a:fld id="{B61BEF0D-F0BB-DE4B-95CE-6DB70DBA9567}" type="datetimeFigureOut">
               <a:rPr lang="en-US" dirty="0"/>
               <a:pPr/>
-              <a:t>9/6/2022</a:t>
+              <a:t>9/7/2022</a:t>
             </a:fld>
             <a:endParaRPr lang="en-US" dirty="0"/>
           </a:p>
@@ -3525,7 +3526,7 @@
             <a:fld id="{B61BEF0D-F0BB-DE4B-95CE-6DB70DBA9567}" type="datetimeFigureOut">
               <a:rPr lang="en-US" dirty="0"/>
               <a:pPr/>
-              <a:t>9/6/2022</a:t>
+              <a:t>9/7/2022</a:t>
             </a:fld>
             <a:endParaRPr lang="en-US" dirty="0"/>
           </a:p>
@@ -3819,7 +3820,7 @@
             <a:fld id="{B61BEF0D-F0BB-DE4B-95CE-6DB70DBA9567}" type="datetimeFigureOut">
               <a:rPr lang="en-US" dirty="0"/>
               <a:pPr/>
-              <a:t>9/6/2022</a:t>
+              <a:t>9/7/2022</a:t>
             </a:fld>
             <a:endParaRPr lang="en-US" dirty="0"/>
           </a:p>
@@ -4258,7 +4259,7 @@
             <a:fld id="{B61BEF0D-F0BB-DE4B-95CE-6DB70DBA9567}" type="datetimeFigureOut">
               <a:rPr lang="en-US" dirty="0"/>
               <a:pPr/>
-              <a:t>9/6/2022</a:t>
+              <a:t>9/7/2022</a:t>
             </a:fld>
             <a:endParaRPr lang="en-US" dirty="0"/>
           </a:p>
@@ -4373,7 +4374,7 @@
             <a:fld id="{B61BEF0D-F0BB-DE4B-95CE-6DB70DBA9567}" type="datetimeFigureOut">
               <a:rPr lang="en-US" dirty="0"/>
               <a:pPr/>
-              <a:t>9/6/2022</a:t>
+              <a:t>9/7/2022</a:t>
             </a:fld>
             <a:endParaRPr lang="en-US" dirty="0"/>
           </a:p>
@@ -4465,7 +4466,7 @@
             <a:fld id="{B61BEF0D-F0BB-DE4B-95CE-6DB70DBA9567}" type="datetimeFigureOut">
               <a:rPr lang="en-US" dirty="0"/>
               <a:pPr/>
-              <a:t>9/6/2022</a:t>
+              <a:t>9/7/2022</a:t>
             </a:fld>
             <a:endParaRPr lang="en-US" dirty="0"/>
           </a:p>
@@ -4745,7 +4746,7 @@
             <a:fld id="{B61BEF0D-F0BB-DE4B-95CE-6DB70DBA9567}" type="datetimeFigureOut">
               <a:rPr lang="en-US" dirty="0"/>
               <a:pPr/>
-              <a:t>9/6/2022</a:t>
+              <a:t>9/7/2022</a:t>
             </a:fld>
             <a:endParaRPr lang="en-US" dirty="0"/>
           </a:p>
@@ -5033,7 +5034,7 @@
             <a:fld id="{B61BEF0D-F0BB-DE4B-95CE-6DB70DBA9567}" type="datetimeFigureOut">
               <a:rPr lang="en-US" dirty="0"/>
               <a:pPr/>
-              <a:t>9/6/2022</a:t>
+              <a:t>9/7/2022</a:t>
             </a:fld>
             <a:endParaRPr lang="en-US" dirty="0"/>
           </a:p>
@@ -5560,7 +5561,7 @@
             <a:fld id="{B61BEF0D-F0BB-DE4B-95CE-6DB70DBA9567}" type="datetimeFigureOut">
               <a:rPr lang="en-US" dirty="0"/>
               <a:pPr/>
-              <a:t>9/6/2022</a:t>
+              <a:t>9/7/2022</a:t>
             </a:fld>
             <a:endParaRPr lang="en-US" dirty="0"/>
           </a:p>
@@ -6729,6 +6730,71 @@
 </p:sld>
 </file>
 
+<file path=ppt/slides/slide6.xml><?xml version="1.0" encoding="utf-8"?>
+<p:sld xmlns:a="http://schemas.openxmlformats.org/drawingml/2006/main" xmlns:r="http://schemas.openxmlformats.org/officeDocument/2006/relationships" xmlns:p="http://schemas.openxmlformats.org/presentationml/2006/main">
+  <p:cSld>
+    <p:spTree>
+      <p:nvGrpSpPr>
+        <p:cNvPr id="1" name=""/>
+        <p:cNvGrpSpPr/>
+        <p:nvPr/>
+      </p:nvGrpSpPr>
+      <p:grpSpPr>
+        <a:xfrm>
+          <a:off x="0" y="0"/>
+          <a:ext cx="0" cy="0"/>
+          <a:chOff x="0" y="0"/>
+          <a:chExt cx="0" cy="0"/>
+        </a:xfrm>
+      </p:grpSpPr>
+      <p:sp>
+        <p:nvSpPr>
+          <p:cNvPr id="2" name="Title 1">
+            <a:extLst>
+              <a:ext uri="{FF2B5EF4-FFF2-40B4-BE49-F238E27FC236}">
+                <a16:creationId xmlns:a16="http://schemas.microsoft.com/office/drawing/2014/main" id="{A2871BCF-29E7-5739-A70A-C66CF5F622D6}"/>
+              </a:ext>
+            </a:extLst>
+          </p:cNvPr>
+          <p:cNvSpPr>
+            <a:spLocks noGrp="1"/>
+          </p:cNvSpPr>
+          <p:nvPr>
+            <p:ph type="title"/>
+          </p:nvPr>
+        </p:nvSpPr>
+        <p:spPr>
+          <a:xfrm>
+            <a:off x="1534645" y="0"/>
+            <a:ext cx="10018713" cy="1752599"/>
+          </a:xfrm>
+        </p:spPr>
+        <p:txBody>
+          <a:bodyPr>
+            <a:normAutofit/>
+          </a:bodyPr>
+          <a:lstStyle/>
+          <a:p>
+            <a:r>
+              <a:rPr lang="en-ZA" sz="5400" dirty="0"/>
+              <a:t>Q&amp;A</a:t>
+            </a:r>
+          </a:p>
+        </p:txBody>
+      </p:sp>
+    </p:spTree>
+    <p:extLst>
+      <p:ext uri="{BB962C8B-B14F-4D97-AF65-F5344CB8AC3E}">
+        <p14:creationId xmlns:p14="http://schemas.microsoft.com/office/powerpoint/2010/main" val="2138890887"/>
+      </p:ext>
+    </p:extLst>
+  </p:cSld>
+  <p:clrMapOvr>
+    <a:masterClrMapping/>
+  </p:clrMapOvr>
+</p:sld>
+</file>
+
 <file path=ppt/theme/theme1.xml><?xml version="1.0" encoding="utf-8"?>
 <a:theme xmlns:a="http://schemas.openxmlformats.org/drawingml/2006/main" name="Parallax">
   <a:themeElements>
